--- a/MapleStory.pptx
+++ b/MapleStory.pptx
@@ -14279,16 +14279,7 @@
                 </a:solidFill>
                 <a:ea typeface="야놀자 야체 B" panose="02020603020101020101"/>
               </a:rPr>
-              <a:t>Col</a:t>
-            </a:r>
-            <a:r>
-              <a:rPr lang="en-US" altLang="ko-KR" sz="4400" b="1" dirty="0" smtClean="0">
-                <a:solidFill>
-                  <a:schemeClr val="bg1"/>
-                </a:solidFill>
-                <a:ea typeface="야놀자 야체 B" panose="02020603020101020101"/>
-              </a:rPr>
-              <a:t>() –</a:t>
+              <a:t>Col() –</a:t>
             </a:r>
             <a:r>
               <a:rPr lang="ko-KR" altLang="en-US" sz="4400" b="1" dirty="0">
@@ -14339,16 +14330,7 @@
                 </a:solidFill>
                 <a:ea typeface="야놀자 야체 B" panose="02020603020101020101"/>
               </a:rPr>
-              <a:t>Crash</a:t>
-            </a:r>
-            <a:r>
-              <a:rPr lang="en-US" altLang="ko-KR" sz="4400" b="1" dirty="0" smtClean="0">
-                <a:solidFill>
-                  <a:schemeClr val="bg1"/>
-                </a:solidFill>
-                <a:ea typeface="야놀자 야체 B" panose="02020603020101020101"/>
-              </a:rPr>
-              <a:t>() – </a:t>
+              <a:t>Crash() – </a:t>
             </a:r>
             <a:r>
               <a:rPr lang="ko-KR" altLang="en-US" sz="4400" b="1" dirty="0" smtClean="0">
@@ -14441,16 +14423,7 @@
                 </a:solidFill>
                 <a:ea typeface="야놀자 야체 B" panose="02020603020101020101"/>
               </a:rPr>
-              <a:t>Score</a:t>
-            </a:r>
-            <a:r>
-              <a:rPr lang="en-US" altLang="ko-KR" sz="4400" b="1" dirty="0" smtClean="0">
-                <a:solidFill>
-                  <a:schemeClr val="bg1"/>
-                </a:solidFill>
-                <a:ea typeface="야놀자 야체 B" panose="02020603020101020101"/>
-              </a:rPr>
-              <a:t>() – </a:t>
+              <a:t>Score() – </a:t>
             </a:r>
             <a:r>
               <a:rPr lang="ko-KR" altLang="en-US" sz="4400" b="1" dirty="0" smtClean="0">
@@ -17507,13 +17480,6 @@
               </a:rPr>
               <a:t>	</a:t>
             </a:r>
-            <a:endParaRPr lang="en-US" altLang="ko-KR" sz="4000" dirty="0" smtClean="0">
-              <a:solidFill>
-                <a:srgbClr val="FFC000"/>
-              </a:solidFill>
-              <a:latin typeface="야놀자 야체 B" panose="02020603020101020101" pitchFamily="18" charset="-127"/>
-              <a:ea typeface="야놀자 야체 B" panose="02020603020101020101" pitchFamily="18" charset="-127"/>
-            </a:endParaRPr>
           </a:p>
           <a:p>
             <a:r>
@@ -17534,17 +17500,7 @@
                 <a:latin typeface="야놀자 야체 B" panose="02020603020101020101" pitchFamily="18" charset="-127"/>
                 <a:ea typeface="야놀자 야체 B" panose="02020603020101020101" pitchFamily="18" charset="-127"/>
               </a:rPr>
-              <a:t>1</a:t>
-            </a:r>
-            <a:r>
-              <a:rPr lang="en-US" altLang="ko-KR" sz="4000" dirty="0" smtClean="0">
-                <a:solidFill>
-                  <a:srgbClr val="FFC000"/>
-                </a:solidFill>
-                <a:latin typeface="야놀자 야체 B" panose="02020603020101020101" pitchFamily="18" charset="-127"/>
-                <a:ea typeface="야놀자 야체 B" panose="02020603020101020101" pitchFamily="18" charset="-127"/>
-              </a:rPr>
-              <a:t>. UML – </a:t>
+              <a:t>1. UML – </a:t>
             </a:r>
             <a:r>
               <a:rPr lang="ko-KR" altLang="en-US" sz="4000" dirty="0" smtClean="0">
@@ -29917,16 +29873,7 @@
                 </a:solidFill>
                 <a:ea typeface="야놀자 야체 B" panose="02020603020101020101"/>
               </a:rPr>
-              <a:t>Healing</a:t>
-            </a:r>
-            <a:r>
-              <a:rPr lang="en-US" altLang="ko-KR" sz="4400" b="1" dirty="0" smtClean="0">
-                <a:solidFill>
-                  <a:schemeClr val="bg1"/>
-                </a:solidFill>
-                <a:ea typeface="야놀자 야체 B" panose="02020603020101020101"/>
-              </a:rPr>
-              <a:t>() </a:t>
+              <a:t>Healing() </a:t>
             </a:r>
             <a:r>
               <a:rPr lang="en-US" altLang="ko-KR" sz="4400" b="1" dirty="0" err="1" smtClean="0">
@@ -29946,12 +29893,6 @@
               </a:rPr>
               <a:t> +5/5s</a:t>
             </a:r>
-            <a:endParaRPr lang="en-US" altLang="ko-KR" sz="4400" b="1" dirty="0" smtClean="0">
-              <a:solidFill>
-                <a:schemeClr val="bg1"/>
-              </a:solidFill>
-              <a:ea typeface="야놀자 야체 B" panose="02020603020101020101"/>
-            </a:endParaRPr>
           </a:p>
           <a:p>
             <a:pPr marL="285750" indent="-285750">
@@ -35308,7 +35249,7 @@
         </p:blipFill>
         <p:spPr>
           <a:xfrm>
-            <a:off x="5269630" y="576940"/>
+            <a:off x="5673525" y="545460"/>
             <a:ext cx="1905000" cy="1905000"/>
           </a:xfrm>
           <a:prstGeom prst="rect">
@@ -35338,7 +35279,7 @@
         </p:blipFill>
         <p:spPr>
           <a:xfrm>
-            <a:off x="8041747" y="1146560"/>
+            <a:off x="5850885" y="3001295"/>
             <a:ext cx="1666875" cy="1504950"/>
           </a:xfrm>
           <a:prstGeom prst="rect">
@@ -35368,7 +35309,7 @@
         </p:blipFill>
         <p:spPr>
           <a:xfrm>
-            <a:off x="4819707" y="3336176"/>
+            <a:off x="4245921" y="4461557"/>
             <a:ext cx="1466850" cy="1352550"/>
           </a:xfrm>
           <a:prstGeom prst="rect">
@@ -35398,8 +35339,38 @@
         </p:blipFill>
         <p:spPr>
           <a:xfrm>
-            <a:off x="7632173" y="3464686"/>
+            <a:off x="9037316" y="796507"/>
             <a:ext cx="1724025" cy="1619250"/>
+          </a:xfrm>
+          <a:prstGeom prst="rect">
+            <a:avLst/>
+          </a:prstGeom>
+        </p:spPr>
+      </p:pic>
+      <p:pic>
+        <p:nvPicPr>
+          <p:cNvPr id="13" name="그림 12"/>
+          <p:cNvPicPr>
+            <a:picLocks noChangeAspect="1"/>
+          </p:cNvPicPr>
+          <p:nvPr/>
+        </p:nvPicPr>
+        <p:blipFill>
+          <a:blip r:embed="rId6">
+            <a:extLst>
+              <a:ext uri="{28A0092B-C50C-407E-A947-70E740481C1C}">
+                <a14:useLocalDpi xmlns:a14="http://schemas.microsoft.com/office/drawing/2010/main" val="0"/>
+              </a:ext>
+            </a:extLst>
+          </a:blip>
+          <a:stretch>
+            <a:fillRect/>
+          </a:stretch>
+        </p:blipFill>
+        <p:spPr>
+          <a:xfrm>
+            <a:off x="7784723" y="3087356"/>
+            <a:ext cx="3905739" cy="2675164"/>
           </a:xfrm>
           <a:prstGeom prst="rect">
             <a:avLst/>
@@ -35415,7 +35386,7 @@
           <p:nvPr/>
         </p:nvPicPr>
         <p:blipFill>
-          <a:blip r:embed="rId6">
+          <a:blip r:embed="rId7">
             <a:extLst>
               <a:ext uri="{28A0092B-C50C-407E-A947-70E740481C1C}">
                 <a14:useLocalDpi xmlns:a14="http://schemas.microsoft.com/office/drawing/2010/main" val="0"/>
@@ -35755,6 +35726,33 @@
                                   </p:childTnLst>
                                 </p:cTn>
                               </p:par>
+                              <p:par>
+                                <p:cTn id="29" presetID="1" presetClass="entr" presetSubtype="0" fill="hold" nodeType="withEffect">
+                                  <p:stCondLst>
+                                    <p:cond delay="0"/>
+                                  </p:stCondLst>
+                                  <p:childTnLst>
+                                    <p:set>
+                                      <p:cBhvr>
+                                        <p:cTn id="30" dur="1" fill="hold">
+                                          <p:stCondLst>
+                                            <p:cond delay="0"/>
+                                          </p:stCondLst>
+                                        </p:cTn>
+                                        <p:tgtEl>
+                                          <p:spTgt spid="13"/>
+                                        </p:tgtEl>
+                                        <p:attrNameLst>
+                                          <p:attrName>style.visibility</p:attrName>
+                                        </p:attrNameLst>
+                                      </p:cBhvr>
+                                      <p:to>
+                                        <p:strVal val="visible"/>
+                                      </p:to>
+                                    </p:set>
+                                  </p:childTnLst>
+                                </p:cTn>
+                              </p:par>
                             </p:childTnLst>
                           </p:cTn>
                         </p:par>
